--- a/doc/Time Synchronization II.pptx
+++ b/doc/Time Synchronization II.pptx
@@ -10,6 +10,12 @@
     <p:sldId id="257" r:id="rId4"/>
     <p:sldId id="259" r:id="rId5"/>
     <p:sldId id="260" r:id="rId6"/>
+    <p:sldId id="261" r:id="rId7"/>
+    <p:sldId id="262" r:id="rId8"/>
+    <p:sldId id="264" r:id="rId9"/>
+    <p:sldId id="263" r:id="rId10"/>
+    <p:sldId id="265" r:id="rId11"/>
+    <p:sldId id="266" r:id="rId12"/>
   </p:sldIdLst>
   <p:sldSz cx="12192000" cy="6858000"/>
   <p:notesSz cx="6858000" cy="9144000"/>
@@ -108,6 +114,11 @@
       </a:defRPr>
     </a:lvl9pPr>
   </p:defaultTextStyle>
+  <p:extLst>
+    <p:ext uri="{EFAFB233-063F-42B5-8137-9DF3F51BA10A}">
+      <p15:sldGuideLst xmlns:p15="http://schemas.microsoft.com/office/powerpoint/2012/main"/>
+    </p:ext>
+  </p:extLst>
 </p:presentation>
 </file>
 
@@ -307,7 +318,7 @@
             <a:fld id="{B61BEF0D-F0BB-DE4B-95CE-6DB70DBA9567}" type="datetimeFigureOut">
               <a:rPr lang="en-US" dirty="0"/>
               <a:pPr/>
-              <a:t>12/10/2017</a:t>
+              <a:t>12/11/2017</a:t>
             </a:fld>
             <a:endParaRPr lang="en-US" dirty="0"/>
           </a:p>
@@ -740,7 +751,7 @@
             <a:fld id="{B61BEF0D-F0BB-DE4B-95CE-6DB70DBA9567}" type="datetimeFigureOut">
               <a:rPr lang="en-US" dirty="0"/>
               <a:pPr/>
-              <a:t>12/10/2017</a:t>
+              <a:t>12/11/2017</a:t>
             </a:fld>
             <a:endParaRPr lang="en-US" dirty="0"/>
           </a:p>
@@ -987,7 +998,7 @@
             <a:fld id="{B61BEF0D-F0BB-DE4B-95CE-6DB70DBA9567}" type="datetimeFigureOut">
               <a:rPr lang="en-US" dirty="0"/>
               <a:pPr/>
-              <a:t>12/10/2017</a:t>
+              <a:t>12/11/2017</a:t>
             </a:fld>
             <a:endParaRPr lang="en-US" dirty="0"/>
           </a:p>
@@ -1292,7 +1303,7 @@
             <a:fld id="{B61BEF0D-F0BB-DE4B-95CE-6DB70DBA9567}" type="datetimeFigureOut">
               <a:rPr lang="en-US" dirty="0"/>
               <a:pPr/>
-              <a:t>12/10/2017</a:t>
+              <a:t>12/11/2017</a:t>
             </a:fld>
             <a:endParaRPr lang="en-US" dirty="0"/>
           </a:p>
@@ -1607,7 +1618,7 @@
             <a:fld id="{B61BEF0D-F0BB-DE4B-95CE-6DB70DBA9567}" type="datetimeFigureOut">
               <a:rPr lang="en-US" dirty="0"/>
               <a:pPr/>
-              <a:t>12/10/2017</a:t>
+              <a:t>12/11/2017</a:t>
             </a:fld>
             <a:endParaRPr lang="en-US" dirty="0"/>
           </a:p>
@@ -1906,7 +1917,7 @@
             <a:fld id="{B61BEF0D-F0BB-DE4B-95CE-6DB70DBA9567}" type="datetimeFigureOut">
               <a:rPr lang="en-US" dirty="0"/>
               <a:pPr/>
-              <a:t>12/10/2017</a:t>
+              <a:t>12/11/2017</a:t>
             </a:fld>
             <a:endParaRPr lang="en-US" dirty="0"/>
           </a:p>
@@ -2270,7 +2281,7 @@
             <a:fld id="{B61BEF0D-F0BB-DE4B-95CE-6DB70DBA9567}" type="datetimeFigureOut">
               <a:rPr lang="en-US" dirty="0"/>
               <a:pPr/>
-              <a:t>12/10/2017</a:t>
+              <a:t>12/11/2017</a:t>
             </a:fld>
             <a:endParaRPr lang="en-US" dirty="0"/>
           </a:p>
@@ -2441,7 +2452,7 @@
             <a:fld id="{B61BEF0D-F0BB-DE4B-95CE-6DB70DBA9567}" type="datetimeFigureOut">
               <a:rPr lang="en-US" dirty="0"/>
               <a:pPr/>
-              <a:t>12/10/2017</a:t>
+              <a:t>12/11/2017</a:t>
             </a:fld>
             <a:endParaRPr lang="en-US" dirty="0"/>
           </a:p>
@@ -2618,7 +2629,7 @@
             <a:fld id="{B61BEF0D-F0BB-DE4B-95CE-6DB70DBA9567}" type="datetimeFigureOut">
               <a:rPr lang="en-US" dirty="0"/>
               <a:pPr/>
-              <a:t>12/10/2017</a:t>
+              <a:t>12/11/2017</a:t>
             </a:fld>
             <a:endParaRPr lang="en-US" dirty="0"/>
           </a:p>
@@ -2785,7 +2796,7 @@
             <a:fld id="{B61BEF0D-F0BB-DE4B-95CE-6DB70DBA9567}" type="datetimeFigureOut">
               <a:rPr lang="en-US" dirty="0"/>
               <a:pPr/>
-              <a:t>12/10/2017</a:t>
+              <a:t>12/11/2017</a:t>
             </a:fld>
             <a:endParaRPr lang="en-US" dirty="0"/>
           </a:p>
@@ -3032,7 +3043,7 @@
             <a:fld id="{B61BEF0D-F0BB-DE4B-95CE-6DB70DBA9567}" type="datetimeFigureOut">
               <a:rPr lang="en-US" dirty="0"/>
               <a:pPr/>
-              <a:t>12/10/2017</a:t>
+              <a:t>12/11/2017</a:t>
             </a:fld>
             <a:endParaRPr lang="en-US" dirty="0"/>
           </a:p>
@@ -3265,7 +3276,7 @@
             <a:fld id="{B61BEF0D-F0BB-DE4B-95CE-6DB70DBA9567}" type="datetimeFigureOut">
               <a:rPr lang="en-US" dirty="0"/>
               <a:pPr/>
-              <a:t>12/10/2017</a:t>
+              <a:t>12/11/2017</a:t>
             </a:fld>
             <a:endParaRPr lang="en-US" dirty="0"/>
           </a:p>
@@ -3644,7 +3655,7 @@
             <a:fld id="{B61BEF0D-F0BB-DE4B-95CE-6DB70DBA9567}" type="datetimeFigureOut">
               <a:rPr lang="en-US" dirty="0"/>
               <a:pPr/>
-              <a:t>12/10/2017</a:t>
+              <a:t>12/11/2017</a:t>
             </a:fld>
             <a:endParaRPr lang="en-US" dirty="0"/>
           </a:p>
@@ -3759,7 +3770,7 @@
             <a:fld id="{B61BEF0D-F0BB-DE4B-95CE-6DB70DBA9567}" type="datetimeFigureOut">
               <a:rPr lang="en-US" dirty="0"/>
               <a:pPr/>
-              <a:t>12/10/2017</a:t>
+              <a:t>12/11/2017</a:t>
             </a:fld>
             <a:endParaRPr lang="en-US" dirty="0"/>
           </a:p>
@@ -3851,7 +3862,7 @@
             <a:fld id="{B61BEF0D-F0BB-DE4B-95CE-6DB70DBA9567}" type="datetimeFigureOut">
               <a:rPr lang="en-US" dirty="0"/>
               <a:pPr/>
-              <a:t>12/10/2017</a:t>
+              <a:t>12/11/2017</a:t>
             </a:fld>
             <a:endParaRPr lang="en-US" dirty="0"/>
           </a:p>
@@ -4103,7 +4114,7 @@
             <a:fld id="{B61BEF0D-F0BB-DE4B-95CE-6DB70DBA9567}" type="datetimeFigureOut">
               <a:rPr lang="en-US" dirty="0"/>
               <a:pPr/>
-              <a:t>12/10/2017</a:t>
+              <a:t>12/11/2017</a:t>
             </a:fld>
             <a:endParaRPr lang="en-US" dirty="0"/>
           </a:p>
@@ -4383,7 +4394,7 @@
             <a:fld id="{B61BEF0D-F0BB-DE4B-95CE-6DB70DBA9567}" type="datetimeFigureOut">
               <a:rPr lang="en-US" dirty="0"/>
               <a:pPr/>
-              <a:t>12/10/2017</a:t>
+              <a:t>12/11/2017</a:t>
             </a:fld>
             <a:endParaRPr lang="en-US" dirty="0"/>
           </a:p>
@@ -4786,7 +4797,7 @@
             <a:fld id="{B61BEF0D-F0BB-DE4B-95CE-6DB70DBA9567}" type="datetimeFigureOut">
               <a:rPr lang="en-US" dirty="0"/>
               <a:pPr/>
-              <a:t>12/10/2017</a:t>
+              <a:t>12/11/2017</a:t>
             </a:fld>
             <a:endParaRPr lang="en-US" dirty="0"/>
           </a:p>
@@ -5440,6 +5451,180 @@
 </p:sld>
 </file>
 
+<file path=ppt/slides/slide10.xml><?xml version="1.0" encoding="utf-8"?>
+<p:sld xmlns:a="http://schemas.openxmlformats.org/drawingml/2006/main" xmlns:r="http://schemas.openxmlformats.org/officeDocument/2006/relationships" xmlns:p="http://schemas.openxmlformats.org/presentationml/2006/main">
+  <p:cSld>
+    <p:spTree>
+      <p:nvGrpSpPr>
+        <p:cNvPr id="1" name=""/>
+        <p:cNvGrpSpPr/>
+        <p:nvPr/>
+      </p:nvGrpSpPr>
+      <p:grpSpPr>
+        <a:xfrm>
+          <a:off x="0" y="0"/>
+          <a:ext cx="0" cy="0"/>
+          <a:chOff x="0" y="0"/>
+          <a:chExt cx="0" cy="0"/>
+        </a:xfrm>
+      </p:grpSpPr>
+      <p:sp>
+        <p:nvSpPr>
+          <p:cNvPr id="2" name="Titel 1">
+            <a:extLst>
+              <a:ext uri="{FF2B5EF4-FFF2-40B4-BE49-F238E27FC236}">
+                <a16:creationId xmlns:a16="http://schemas.microsoft.com/office/drawing/2014/main" id="{C5B9FE4F-6E68-4765-873E-96069FC9095A}"/>
+              </a:ext>
+            </a:extLst>
+          </p:cNvPr>
+          <p:cNvSpPr>
+            <a:spLocks noGrp="1"/>
+          </p:cNvSpPr>
+          <p:nvPr>
+            <p:ph type="title"/>
+          </p:nvPr>
+        </p:nvSpPr>
+        <p:spPr/>
+        <p:txBody>
+          <a:bodyPr/>
+          <a:lstStyle/>
+          <a:p>
+            <a:r>
+              <a:rPr lang="de-CH" dirty="0"/>
+              <a:t>XMAC</a:t>
+            </a:r>
+          </a:p>
+        </p:txBody>
+      </p:sp>
+      <p:pic>
+        <p:nvPicPr>
+          <p:cNvPr id="5" name="Inhaltsplatzhalter 4">
+            <a:extLst>
+              <a:ext uri="{FF2B5EF4-FFF2-40B4-BE49-F238E27FC236}">
+                <a16:creationId xmlns:a16="http://schemas.microsoft.com/office/drawing/2014/main" id="{C5A4F8F4-1CE4-4846-89B6-B0FA33691559}"/>
+              </a:ext>
+            </a:extLst>
+          </p:cNvPr>
+          <p:cNvPicPr>
+            <a:picLocks noGrp="1" noChangeAspect="1"/>
+          </p:cNvPicPr>
+          <p:nvPr>
+            <p:ph idx="1"/>
+          </p:nvPr>
+        </p:nvPicPr>
+        <p:blipFill>
+          <a:blip r:embed="rId2"/>
+          <a:stretch>
+            <a:fillRect/>
+          </a:stretch>
+        </p:blipFill>
+        <p:spPr>
+          <a:xfrm>
+            <a:off x="3686175" y="778672"/>
+            <a:ext cx="4819650" cy="3614738"/>
+          </a:xfrm>
+        </p:spPr>
+      </p:pic>
+    </p:spTree>
+    <p:extLst>
+      <p:ext uri="{BB962C8B-B14F-4D97-AF65-F5344CB8AC3E}">
+        <p14:creationId xmlns:p14="http://schemas.microsoft.com/office/powerpoint/2010/main" val="1800962433"/>
+      </p:ext>
+    </p:extLst>
+  </p:cSld>
+  <p:clrMapOvr>
+    <a:masterClrMapping/>
+  </p:clrMapOvr>
+</p:sld>
+</file>
+
+<file path=ppt/slides/slide11.xml><?xml version="1.0" encoding="utf-8"?>
+<p:sld xmlns:a="http://schemas.openxmlformats.org/drawingml/2006/main" xmlns:r="http://schemas.openxmlformats.org/officeDocument/2006/relationships" xmlns:p="http://schemas.openxmlformats.org/presentationml/2006/main">
+  <p:cSld>
+    <p:spTree>
+      <p:nvGrpSpPr>
+        <p:cNvPr id="1" name=""/>
+        <p:cNvGrpSpPr/>
+        <p:nvPr/>
+      </p:nvGrpSpPr>
+      <p:grpSpPr>
+        <a:xfrm>
+          <a:off x="0" y="0"/>
+          <a:ext cx="0" cy="0"/>
+          <a:chOff x="0" y="0"/>
+          <a:chExt cx="0" cy="0"/>
+        </a:xfrm>
+      </p:grpSpPr>
+      <p:sp>
+        <p:nvSpPr>
+          <p:cNvPr id="2" name="Titel 1">
+            <a:extLst>
+              <a:ext uri="{FF2B5EF4-FFF2-40B4-BE49-F238E27FC236}">
+                <a16:creationId xmlns:a16="http://schemas.microsoft.com/office/drawing/2014/main" id="{82602AF0-29A6-4B82-BD20-A30AC29BEFEE}"/>
+              </a:ext>
+            </a:extLst>
+          </p:cNvPr>
+          <p:cNvSpPr>
+            <a:spLocks noGrp="1"/>
+          </p:cNvSpPr>
+          <p:nvPr>
+            <p:ph type="title"/>
+          </p:nvPr>
+        </p:nvSpPr>
+        <p:spPr/>
+        <p:txBody>
+          <a:bodyPr/>
+          <a:lstStyle/>
+          <a:p>
+            <a:r>
+              <a:rPr lang="de-CH" dirty="0" err="1"/>
+              <a:t>qUESTIONS</a:t>
+            </a:r>
+            <a:endParaRPr lang="de-CH" dirty="0"/>
+          </a:p>
+        </p:txBody>
+      </p:sp>
+      <p:sp>
+        <p:nvSpPr>
+          <p:cNvPr id="3" name="Inhaltsplatzhalter 2">
+            <a:extLst>
+              <a:ext uri="{FF2B5EF4-FFF2-40B4-BE49-F238E27FC236}">
+                <a16:creationId xmlns:a16="http://schemas.microsoft.com/office/drawing/2014/main" id="{22112F06-1E5C-42E5-B265-D7255975CCEA}"/>
+              </a:ext>
+            </a:extLst>
+          </p:cNvPr>
+          <p:cNvSpPr>
+            <a:spLocks noGrp="1"/>
+          </p:cNvSpPr>
+          <p:nvPr>
+            <p:ph idx="1"/>
+          </p:nvPr>
+        </p:nvSpPr>
+        <p:spPr/>
+        <p:txBody>
+          <a:bodyPr/>
+          <a:lstStyle/>
+          <a:p>
+            <a:r>
+              <a:rPr lang="de-CH" dirty="0"/>
+              <a:t>Any Questions?</a:t>
+            </a:r>
+          </a:p>
+        </p:txBody>
+      </p:sp>
+    </p:spTree>
+    <p:extLst>
+      <p:ext uri="{BB962C8B-B14F-4D97-AF65-F5344CB8AC3E}">
+        <p14:creationId xmlns:p14="http://schemas.microsoft.com/office/powerpoint/2010/main" val="4237098696"/>
+      </p:ext>
+    </p:extLst>
+  </p:cSld>
+  <p:clrMapOvr>
+    <a:masterClrMapping/>
+  </p:clrMapOvr>
+</p:sld>
+</file>
+
 <file path=ppt/slides/slide2.xml><?xml version="1.0" encoding="utf-8"?>
 <p:sld xmlns:a="http://schemas.openxmlformats.org/drawingml/2006/main" xmlns:r="http://schemas.openxmlformats.org/officeDocument/2006/relationships" xmlns:p="http://schemas.openxmlformats.org/presentationml/2006/main">
   <p:cSld>
@@ -5943,6 +6128,429 @@
     <p:extLst>
       <p:ext uri="{BB962C8B-B14F-4D97-AF65-F5344CB8AC3E}">
         <p14:creationId xmlns:p14="http://schemas.microsoft.com/office/powerpoint/2010/main" val="1834114670"/>
+      </p:ext>
+    </p:extLst>
+  </p:cSld>
+  <p:clrMapOvr>
+    <a:masterClrMapping/>
+  </p:clrMapOvr>
+</p:sld>
+</file>
+
+<file path=ppt/slides/slide6.xml><?xml version="1.0" encoding="utf-8"?>
+<p:sld xmlns:a="http://schemas.openxmlformats.org/drawingml/2006/main" xmlns:r="http://schemas.openxmlformats.org/officeDocument/2006/relationships" xmlns:p="http://schemas.openxmlformats.org/presentationml/2006/main">
+  <p:cSld>
+    <p:spTree>
+      <p:nvGrpSpPr>
+        <p:cNvPr id="1" name=""/>
+        <p:cNvGrpSpPr/>
+        <p:nvPr/>
+      </p:nvGrpSpPr>
+      <p:grpSpPr>
+        <a:xfrm>
+          <a:off x="0" y="0"/>
+          <a:ext cx="0" cy="0"/>
+          <a:chOff x="0" y="0"/>
+          <a:chExt cx="0" cy="0"/>
+        </a:xfrm>
+      </p:grpSpPr>
+      <p:sp>
+        <p:nvSpPr>
+          <p:cNvPr id="2" name="Titel 1">
+            <a:extLst>
+              <a:ext uri="{FF2B5EF4-FFF2-40B4-BE49-F238E27FC236}">
+                <a16:creationId xmlns:a16="http://schemas.microsoft.com/office/drawing/2014/main" id="{CA7D9AC5-1C52-4425-A7F5-A07A82E3968C}"/>
+              </a:ext>
+            </a:extLst>
+          </p:cNvPr>
+          <p:cNvSpPr>
+            <a:spLocks noGrp="1"/>
+          </p:cNvSpPr>
+          <p:nvPr>
+            <p:ph type="title"/>
+          </p:nvPr>
+        </p:nvSpPr>
+        <p:spPr/>
+        <p:txBody>
+          <a:bodyPr/>
+          <a:lstStyle/>
+          <a:p>
+            <a:r>
+              <a:rPr lang="de-CH" dirty="0"/>
+              <a:t>Offset</a:t>
+            </a:r>
+          </a:p>
+        </p:txBody>
+      </p:sp>
+      <p:pic>
+        <p:nvPicPr>
+          <p:cNvPr id="4" name="Inhaltsplatzhalter 3">
+            <a:extLst>
+              <a:ext uri="{FF2B5EF4-FFF2-40B4-BE49-F238E27FC236}">
+                <a16:creationId xmlns:a16="http://schemas.microsoft.com/office/drawing/2014/main" id="{699521A2-F3E9-4DA5-A2D4-C39CC206067D}"/>
+              </a:ext>
+            </a:extLst>
+          </p:cNvPr>
+          <p:cNvPicPr>
+            <a:picLocks noGrp="1" noChangeAspect="1"/>
+          </p:cNvPicPr>
+          <p:nvPr>
+            <p:ph idx="1"/>
+          </p:nvPr>
+        </p:nvPicPr>
+        <p:blipFill>
+          <a:blip r:embed="rId2"/>
+          <a:stretch>
+            <a:fillRect/>
+          </a:stretch>
+        </p:blipFill>
+        <p:spPr>
+          <a:xfrm>
+            <a:off x="1060450" y="1297781"/>
+            <a:ext cx="7781925" cy="2390775"/>
+          </a:xfrm>
+          <a:prstGeom prst="rect">
+            <a:avLst/>
+          </a:prstGeom>
+        </p:spPr>
+      </p:pic>
+    </p:spTree>
+    <p:extLst>
+      <p:ext uri="{BB962C8B-B14F-4D97-AF65-F5344CB8AC3E}">
+        <p14:creationId xmlns:p14="http://schemas.microsoft.com/office/powerpoint/2010/main" val="4281290849"/>
+      </p:ext>
+    </p:extLst>
+  </p:cSld>
+  <p:clrMapOvr>
+    <a:masterClrMapping/>
+  </p:clrMapOvr>
+</p:sld>
+</file>
+
+<file path=ppt/slides/slide7.xml><?xml version="1.0" encoding="utf-8"?>
+<p:sld xmlns:a="http://schemas.openxmlformats.org/drawingml/2006/main" xmlns:r="http://schemas.openxmlformats.org/officeDocument/2006/relationships" xmlns:p="http://schemas.openxmlformats.org/presentationml/2006/main">
+  <p:cSld>
+    <p:spTree>
+      <p:nvGrpSpPr>
+        <p:cNvPr id="1" name=""/>
+        <p:cNvGrpSpPr/>
+        <p:nvPr/>
+      </p:nvGrpSpPr>
+      <p:grpSpPr>
+        <a:xfrm>
+          <a:off x="0" y="0"/>
+          <a:ext cx="0" cy="0"/>
+          <a:chOff x="0" y="0"/>
+          <a:chExt cx="0" cy="0"/>
+        </a:xfrm>
+      </p:grpSpPr>
+      <p:sp>
+        <p:nvSpPr>
+          <p:cNvPr id="2" name="Titel 1">
+            <a:extLst>
+              <a:ext uri="{FF2B5EF4-FFF2-40B4-BE49-F238E27FC236}">
+                <a16:creationId xmlns:a16="http://schemas.microsoft.com/office/drawing/2014/main" id="{4B6CD02D-D30A-48DF-AB4B-DB907DFCBB00}"/>
+              </a:ext>
+            </a:extLst>
+          </p:cNvPr>
+          <p:cNvSpPr>
+            <a:spLocks noGrp="1"/>
+          </p:cNvSpPr>
+          <p:nvPr>
+            <p:ph type="title"/>
+          </p:nvPr>
+        </p:nvSpPr>
+        <p:spPr/>
+        <p:txBody>
+          <a:bodyPr/>
+          <a:lstStyle/>
+          <a:p>
+            <a:r>
+              <a:rPr lang="de-CH" dirty="0" err="1"/>
+              <a:t>Convergence</a:t>
+            </a:r>
+            <a:r>
+              <a:rPr lang="de-CH" dirty="0"/>
+              <a:t> </a:t>
+            </a:r>
+            <a:r>
+              <a:rPr lang="de-CH" dirty="0" err="1"/>
+              <a:t>phase</a:t>
+            </a:r>
+            <a:endParaRPr lang="de-CH" dirty="0"/>
+          </a:p>
+        </p:txBody>
+      </p:sp>
+      <p:pic>
+        <p:nvPicPr>
+          <p:cNvPr id="4" name="Inhaltsplatzhalter 3">
+            <a:extLst>
+              <a:ext uri="{FF2B5EF4-FFF2-40B4-BE49-F238E27FC236}">
+                <a16:creationId xmlns:a16="http://schemas.microsoft.com/office/drawing/2014/main" id="{88B43306-5DD6-4646-AE63-6D52F2815580}"/>
+              </a:ext>
+            </a:extLst>
+          </p:cNvPr>
+          <p:cNvPicPr>
+            <a:picLocks noGrp="1" noChangeAspect="1"/>
+          </p:cNvPicPr>
+          <p:nvPr>
+            <p:ph idx="1"/>
+          </p:nvPr>
+        </p:nvPicPr>
+        <p:blipFill>
+          <a:blip r:embed="rId2"/>
+          <a:stretch>
+            <a:fillRect/>
+          </a:stretch>
+        </p:blipFill>
+        <p:spPr>
+          <a:xfrm>
+            <a:off x="1060450" y="759619"/>
+            <a:ext cx="7781925" cy="3467100"/>
+          </a:xfrm>
+          <a:prstGeom prst="rect">
+            <a:avLst/>
+          </a:prstGeom>
+        </p:spPr>
+      </p:pic>
+    </p:spTree>
+    <p:extLst>
+      <p:ext uri="{BB962C8B-B14F-4D97-AF65-F5344CB8AC3E}">
+        <p14:creationId xmlns:p14="http://schemas.microsoft.com/office/powerpoint/2010/main" val="3312815137"/>
+      </p:ext>
+    </p:extLst>
+  </p:cSld>
+  <p:clrMapOvr>
+    <a:masterClrMapping/>
+  </p:clrMapOvr>
+</p:sld>
+</file>
+
+<file path=ppt/slides/slide8.xml><?xml version="1.0" encoding="utf-8"?>
+<p:sld xmlns:a="http://schemas.openxmlformats.org/drawingml/2006/main" xmlns:r="http://schemas.openxmlformats.org/officeDocument/2006/relationships" xmlns:p="http://schemas.openxmlformats.org/presentationml/2006/main">
+  <p:cSld>
+    <p:spTree>
+      <p:nvGrpSpPr>
+        <p:cNvPr id="1" name=""/>
+        <p:cNvGrpSpPr/>
+        <p:nvPr/>
+      </p:nvGrpSpPr>
+      <p:grpSpPr>
+        <a:xfrm>
+          <a:off x="0" y="0"/>
+          <a:ext cx="0" cy="0"/>
+          <a:chOff x="0" y="0"/>
+          <a:chExt cx="0" cy="0"/>
+        </a:xfrm>
+      </p:grpSpPr>
+      <p:sp>
+        <p:nvSpPr>
+          <p:cNvPr id="2" name="Titel 1">
+            <a:extLst>
+              <a:ext uri="{FF2B5EF4-FFF2-40B4-BE49-F238E27FC236}">
+                <a16:creationId xmlns:a16="http://schemas.microsoft.com/office/drawing/2014/main" id="{2458335E-6D8C-46A3-824D-C9D25D632F5D}"/>
+              </a:ext>
+            </a:extLst>
+          </p:cNvPr>
+          <p:cNvSpPr>
+            <a:spLocks noGrp="1"/>
+          </p:cNvSpPr>
+          <p:nvPr>
+            <p:ph type="title"/>
+          </p:nvPr>
+        </p:nvSpPr>
+        <p:spPr/>
+        <p:txBody>
+          <a:bodyPr/>
+          <a:lstStyle/>
+          <a:p>
+            <a:r>
+              <a:rPr lang="de-CH" dirty="0"/>
+              <a:t>r = 0.25</a:t>
+            </a:r>
+          </a:p>
+        </p:txBody>
+      </p:sp>
+      <p:pic>
+        <p:nvPicPr>
+          <p:cNvPr id="5" name="Inhaltsplatzhalter 4">
+            <a:extLst>
+              <a:ext uri="{FF2B5EF4-FFF2-40B4-BE49-F238E27FC236}">
+                <a16:creationId xmlns:a16="http://schemas.microsoft.com/office/drawing/2014/main" id="{E7A4CB2E-2D7C-41DE-8395-A59FB7AC87FE}"/>
+              </a:ext>
+            </a:extLst>
+          </p:cNvPr>
+          <p:cNvPicPr>
+            <a:picLocks noGrp="1" noChangeAspect="1"/>
+          </p:cNvPicPr>
+          <p:nvPr>
+            <p:ph idx="1"/>
+          </p:nvPr>
+        </p:nvPicPr>
+        <p:blipFill>
+          <a:blip r:embed="rId2"/>
+          <a:stretch>
+            <a:fillRect/>
+          </a:stretch>
+        </p:blipFill>
+        <p:spPr>
+          <a:xfrm>
+            <a:off x="684212" y="673911"/>
+            <a:ext cx="4819650" cy="3614738"/>
+          </a:xfrm>
+        </p:spPr>
+      </p:pic>
+      <p:pic>
+        <p:nvPicPr>
+          <p:cNvPr id="7" name="Grafik 6">
+            <a:extLst>
+              <a:ext uri="{FF2B5EF4-FFF2-40B4-BE49-F238E27FC236}">
+                <a16:creationId xmlns:a16="http://schemas.microsoft.com/office/drawing/2014/main" id="{38534AE5-3BC8-4299-AEDC-FA94710CCF95}"/>
+              </a:ext>
+            </a:extLst>
+          </p:cNvPr>
+          <p:cNvPicPr>
+            <a:picLocks noChangeAspect="1"/>
+          </p:cNvPicPr>
+          <p:nvPr/>
+        </p:nvPicPr>
+        <p:blipFill>
+          <a:blip r:embed="rId3"/>
+          <a:stretch>
+            <a:fillRect/>
+          </a:stretch>
+        </p:blipFill>
+        <p:spPr>
+          <a:xfrm>
+            <a:off x="5905740" y="673912"/>
+            <a:ext cx="4819650" cy="3614738"/>
+          </a:xfrm>
+          <a:prstGeom prst="rect">
+            <a:avLst/>
+          </a:prstGeom>
+        </p:spPr>
+      </p:pic>
+    </p:spTree>
+    <p:extLst>
+      <p:ext uri="{BB962C8B-B14F-4D97-AF65-F5344CB8AC3E}">
+        <p14:creationId xmlns:p14="http://schemas.microsoft.com/office/powerpoint/2010/main" val="2863990570"/>
+      </p:ext>
+    </p:extLst>
+  </p:cSld>
+  <p:clrMapOvr>
+    <a:masterClrMapping/>
+  </p:clrMapOvr>
+</p:sld>
+</file>
+
+<file path=ppt/slides/slide9.xml><?xml version="1.0" encoding="utf-8"?>
+<p:sld xmlns:a="http://schemas.openxmlformats.org/drawingml/2006/main" xmlns:r="http://schemas.openxmlformats.org/officeDocument/2006/relationships" xmlns:p="http://schemas.openxmlformats.org/presentationml/2006/main">
+  <p:cSld>
+    <p:spTree>
+      <p:nvGrpSpPr>
+        <p:cNvPr id="1" name=""/>
+        <p:cNvGrpSpPr/>
+        <p:nvPr/>
+      </p:nvGrpSpPr>
+      <p:grpSpPr>
+        <a:xfrm>
+          <a:off x="0" y="0"/>
+          <a:ext cx="0" cy="0"/>
+          <a:chOff x="0" y="0"/>
+          <a:chExt cx="0" cy="0"/>
+        </a:xfrm>
+      </p:grpSpPr>
+      <p:sp>
+        <p:nvSpPr>
+          <p:cNvPr id="2" name="Titel 1">
+            <a:extLst>
+              <a:ext uri="{FF2B5EF4-FFF2-40B4-BE49-F238E27FC236}">
+                <a16:creationId xmlns:a16="http://schemas.microsoft.com/office/drawing/2014/main" id="{B0151277-4598-41D5-B2C8-C45CF1181756}"/>
+              </a:ext>
+            </a:extLst>
+          </p:cNvPr>
+          <p:cNvSpPr>
+            <a:spLocks noGrp="1"/>
+          </p:cNvSpPr>
+          <p:nvPr>
+            <p:ph type="title"/>
+          </p:nvPr>
+        </p:nvSpPr>
+        <p:spPr/>
+        <p:txBody>
+          <a:bodyPr/>
+          <a:lstStyle/>
+          <a:p>
+            <a:r>
+              <a:rPr lang="de-CH" dirty="0"/>
+              <a:t>R = 0.5</a:t>
+            </a:r>
+          </a:p>
+        </p:txBody>
+      </p:sp>
+      <p:pic>
+        <p:nvPicPr>
+          <p:cNvPr id="5" name="Inhaltsplatzhalter 4">
+            <a:extLst>
+              <a:ext uri="{FF2B5EF4-FFF2-40B4-BE49-F238E27FC236}">
+                <a16:creationId xmlns:a16="http://schemas.microsoft.com/office/drawing/2014/main" id="{229B20E1-51EF-4E50-A7B5-69148AB6ACDD}"/>
+              </a:ext>
+            </a:extLst>
+          </p:cNvPr>
+          <p:cNvPicPr>
+            <a:picLocks noGrp="1" noChangeAspect="1"/>
+          </p:cNvPicPr>
+          <p:nvPr>
+            <p:ph idx="1"/>
+          </p:nvPr>
+        </p:nvPicPr>
+        <p:blipFill>
+          <a:blip r:embed="rId2"/>
+          <a:stretch>
+            <a:fillRect/>
+          </a:stretch>
+        </p:blipFill>
+        <p:spPr>
+          <a:xfrm>
+            <a:off x="684212" y="700548"/>
+            <a:ext cx="4819650" cy="3614738"/>
+          </a:xfrm>
+        </p:spPr>
+      </p:pic>
+      <p:pic>
+        <p:nvPicPr>
+          <p:cNvPr id="7" name="Grafik 6">
+            <a:extLst>
+              <a:ext uri="{FF2B5EF4-FFF2-40B4-BE49-F238E27FC236}">
+                <a16:creationId xmlns:a16="http://schemas.microsoft.com/office/drawing/2014/main" id="{6B5EDCB1-3936-4B47-B79B-B646EB120839}"/>
+              </a:ext>
+            </a:extLst>
+          </p:cNvPr>
+          <p:cNvPicPr>
+            <a:picLocks noChangeAspect="1"/>
+          </p:cNvPicPr>
+          <p:nvPr/>
+        </p:nvPicPr>
+        <p:blipFill>
+          <a:blip r:embed="rId3"/>
+          <a:stretch>
+            <a:fillRect/>
+          </a:stretch>
+        </p:blipFill>
+        <p:spPr>
+          <a:xfrm>
+            <a:off x="6096000" y="641554"/>
+            <a:ext cx="4819650" cy="3614738"/>
+          </a:xfrm>
+          <a:prstGeom prst="rect">
+            <a:avLst/>
+          </a:prstGeom>
+        </p:spPr>
+      </p:pic>
+    </p:spTree>
+    <p:extLst>
+      <p:ext uri="{BB962C8B-B14F-4D97-AF65-F5344CB8AC3E}">
+        <p14:creationId xmlns:p14="http://schemas.microsoft.com/office/powerpoint/2010/main" val="3083885682"/>
       </p:ext>
     </p:extLst>
   </p:cSld>
